--- a/PPT-Prezentacija.pptx
+++ b/PPT-Prezentacija.pptx
@@ -321,7 +321,7 @@
   <p1510:revLst>
     <p1510:client id="{899D64C6-CB23-4F4F-B5CB-523D54A3FC14}" v="1659" dt="2021-07-06T19:10:35.696"/>
     <p1510:client id="{971F573F-47D3-4797-87AA-B02468A35A37}" v="550" dt="2021-07-06T20:00:34.241"/>
-    <p1510:client id="{9ACA33AB-6D37-4D46-A61E-47F10ABB6D28}" v="1551" dt="2021-07-11T10:06:42.525"/>
+    <p1510:client id="{9ACA33AB-6D37-4D46-A61E-47F10ABB6D28}" v="1590" dt="2021-07-11T10:18:49.982"/>
     <p1510:client id="{DEC2FD74-999B-4DCC-9636-232F88578924}" v="2285" dt="2021-07-10T16:35:10.484"/>
     <p1510:client id="{F76FDB00-0C91-4BF7-83D6-084516CB817A}" v="2704" dt="2021-07-08T19:18:31.804"/>
   </p1510:revLst>
@@ -36568,12 +36568,24 @@
           <a:p>
             <a:r>
               <a:rPr lang="en-US" dirty="0">
+                <a:solidFill>
+                  <a:srgbClr val="0070C0"/>
+                </a:solidFill>
                 <a:latin typeface="Georgia"/>
-                <a:hlinkClick r:id="rId2"/>
+                <a:hlinkClick r:id="rId2">
+                  <a:extLst>
+                    <a:ext uri="{A12FA001-AC4F-418D-AE19-62706E023703}">
+                      <ahyp:hlinkClr xmlns:ahyp="http://schemas.microsoft.com/office/drawing/2018/hyperlinkcolor" val="tx"/>
+                    </a:ext>
+                  </a:extLst>
+                </a:hlinkClick>
               </a:rPr>
               <a:t>https://github.com/ObradovicZ/Knight-animation</a:t>
             </a:r>
             <a:endParaRPr lang="en-US">
+              <a:solidFill>
+                <a:srgbClr val="0070C0"/>
+              </a:solidFill>
               <a:latin typeface="Georgia"/>
             </a:endParaRPr>
           </a:p>
@@ -38122,10 +38134,7 @@
             <a:r>
               <a:rPr lang="en-US" dirty="0">
                 <a:solidFill>
-                  <a:schemeClr val="tx1">
-                    <a:lumMod val="75000"/>
-                    <a:lumOff val="25000"/>
-                  </a:schemeClr>
+                  <a:srgbClr val="0070C0"/>
                 </a:solidFill>
                 <a:latin typeface="Georgia"/>
                 <a:hlinkClick r:id="rId4">
@@ -38141,10 +38150,7 @@
             <a:r>
               <a:rPr lang="en-US" dirty="0">
                 <a:solidFill>
-                  <a:schemeClr val="tx1">
-                    <a:lumMod val="75000"/>
-                    <a:lumOff val="25000"/>
-                  </a:schemeClr>
+                  <a:srgbClr val="0070C0"/>
                 </a:solidFill>
                 <a:latin typeface="Georgia"/>
               </a:rPr>
@@ -38322,7 +38328,7 @@
               <a:t>Link do </a:t>
             </a:r>
             <a:r>
-              <a:rPr lang="en-US" dirty="0" err="1">
+              <a:rPr lang="en-US" err="1">
                 <a:solidFill>
                   <a:schemeClr val="tx1">
                     <a:lumMod val="75000"/>
@@ -38346,7 +38352,7 @@
               <a:t> </a:t>
             </a:r>
             <a:r>
-              <a:rPr lang="en-US" dirty="0" err="1">
+              <a:rPr lang="en-US" err="1">
                 <a:solidFill>
                   <a:schemeClr val="tx1">
                     <a:lumMod val="75000"/>
@@ -38372,10 +38378,7 @@
             <a:r>
               <a:rPr lang="en-US" dirty="0">
                 <a:solidFill>
-                  <a:schemeClr val="tx1">
-                    <a:lumMod val="75000"/>
-                    <a:lumOff val="25000"/>
-                  </a:schemeClr>
+                  <a:srgbClr val="0070C0"/>
                 </a:solidFill>
                 <a:latin typeface="Georgia"/>
                 <a:hlinkClick r:id="rId5">
@@ -38678,10 +38681,7 @@
             <a:r>
               <a:rPr lang="en-US" dirty="0">
                 <a:solidFill>
-                  <a:schemeClr val="tx1">
-                    <a:lumMod val="75000"/>
-                    <a:lumOff val="25000"/>
-                  </a:schemeClr>
+                  <a:srgbClr val="0070C0"/>
                 </a:solidFill>
                 <a:latin typeface="Georgia"/>
                 <a:hlinkClick r:id="rId6">
@@ -38696,10 +38696,7 @@
             </a:r>
             <a:endParaRPr lang="en-US">
               <a:solidFill>
-                <a:schemeClr val="tx1">
-                  <a:lumMod val="75000"/>
-                  <a:lumOff val="25000"/>
-                </a:schemeClr>
+                <a:srgbClr val="0070C0"/>
               </a:solidFill>
               <a:latin typeface="Georgia"/>
             </a:endParaRPr>
@@ -38738,10 +38735,7 @@
             <a:r>
               <a:rPr lang="en-US" dirty="0">
                 <a:solidFill>
-                  <a:schemeClr val="tx1">
-                    <a:lumMod val="75000"/>
-                    <a:lumOff val="25000"/>
-                  </a:schemeClr>
+                  <a:srgbClr val="0070C0"/>
                 </a:solidFill>
                 <a:latin typeface="Georgia"/>
                 <a:hlinkClick r:id="rId7">
@@ -38757,6 +38751,15 @@
             <a:r>
               <a:rPr lang="en-US" dirty="0">
                 <a:solidFill>
+                  <a:srgbClr val="0070C0"/>
+                </a:solidFill>
+                <a:latin typeface="Georgia"/>
+              </a:rPr>
+              <a:t> </a:t>
+            </a:r>
+            <a:r>
+              <a:rPr lang="en-US" dirty="0">
+                <a:solidFill>
                   <a:schemeClr val="tx1">
                     <a:lumMod val="75000"/>
                     <a:lumOff val="25000"/>
@@ -38764,7 +38767,7 @@
                 </a:solidFill>
                 <a:latin typeface="Georgia"/>
               </a:rPr>
-              <a:t> support</a:t>
+              <a:t>support</a:t>
             </a:r>
           </a:p>
         </p:txBody>
@@ -42502,8 +42505,8 @@
         </p:blipFill>
         <p:spPr>
           <a:xfrm>
-            <a:off x="-244046" y="939113"/>
-            <a:ext cx="6235211" cy="4146919"/>
+            <a:off x="-178104" y="968420"/>
+            <a:ext cx="5861538" cy="3890478"/>
           </a:xfrm>
           <a:prstGeom prst="rect">
             <a:avLst/>
@@ -42843,12 +42846,24 @@
             <a:pPr algn="l"/>
             <a:r>
               <a:rPr lang="en-US" sz="1200" u="sng" dirty="0">
+                <a:solidFill>
+                  <a:srgbClr val="0070C0"/>
+                </a:solidFill>
                 <a:latin typeface="Georgia"/>
-                <a:hlinkClick r:id="rId6"/>
+                <a:hlinkClick r:id="rId6">
+                  <a:extLst>
+                    <a:ext uri="{A12FA001-AC4F-418D-AE19-62706E023703}">
+                      <ahyp:hlinkClr xmlns:ahyp="http://schemas.microsoft.com/office/drawing/2018/hyperlinkcolor" val="tx"/>
+                    </a:ext>
+                  </a:extLst>
+                </a:hlinkClick>
               </a:rPr>
               <a:t>https://developer.mozilla.org/en-US/docs/Web/HTML/Element/canvas</a:t>
             </a:r>
             <a:endParaRPr lang="en-US" sz="1200" u="sng">
+              <a:solidFill>
+                <a:srgbClr val="0070C0"/>
+              </a:solidFill>
               <a:latin typeface="Georgia"/>
             </a:endParaRPr>
           </a:p>
@@ -43053,7 +43068,7 @@
         </p:blipFill>
         <p:spPr>
           <a:xfrm>
-            <a:off x="96116" y="3060686"/>
+            <a:off x="213347" y="2958109"/>
             <a:ext cx="3658899" cy="1704279"/>
           </a:xfrm>
           <a:prstGeom prst="rect">
@@ -43075,7 +43090,7 @@
         </p:nvSpPr>
         <p:spPr>
           <a:xfrm>
-            <a:off x="4375871" y="2570452"/>
+            <a:off x="4375871" y="2680356"/>
             <a:ext cx="2743200" cy="276999"/>
           </a:xfrm>
           <a:prstGeom prst="rect">
@@ -43133,7 +43148,7 @@
         </p:nvSpPr>
         <p:spPr>
           <a:xfrm>
-            <a:off x="297440" y="2602923"/>
+            <a:off x="326748" y="2654211"/>
             <a:ext cx="2743200" cy="276999"/>
           </a:xfrm>
           <a:prstGeom prst="rect">
@@ -43203,8 +43218,8 @@
         </p:nvSpPr>
         <p:spPr>
           <a:xfrm>
-            <a:off x="297440" y="1148195"/>
-            <a:ext cx="3360160" cy="1022588"/>
+            <a:off x="326748" y="1104233"/>
+            <a:ext cx="3433429" cy="1345753"/>
           </a:xfrm>
           <a:prstGeom prst="rect">
             <a:avLst/>
@@ -43228,23 +43243,47 @@
             </a:pPr>
             <a:r>
               <a:rPr lang="en-US" dirty="0" err="1">
+                <a:solidFill>
+                  <a:schemeClr val="tx1">
+                    <a:lumMod val="75000"/>
+                    <a:lumOff val="25000"/>
+                  </a:schemeClr>
+                </a:solidFill>
                 <a:latin typeface="Georgia"/>
               </a:rPr>
               <a:t>Beskonačna</a:t>
             </a:r>
             <a:r>
               <a:rPr lang="en-US" dirty="0">
+                <a:solidFill>
+                  <a:schemeClr val="tx1">
+                    <a:lumMod val="75000"/>
+                    <a:lumOff val="25000"/>
+                  </a:schemeClr>
+                </a:solidFill>
                 <a:latin typeface="Georgia"/>
               </a:rPr>
               <a:t> </a:t>
             </a:r>
             <a:r>
               <a:rPr lang="en-US" dirty="0" err="1">
+                <a:solidFill>
+                  <a:schemeClr val="tx1">
+                    <a:lumMod val="75000"/>
+                    <a:lumOff val="25000"/>
+                  </a:schemeClr>
+                </a:solidFill>
                 <a:latin typeface="Georgia"/>
               </a:rPr>
               <a:t>petlja</a:t>
             </a:r>
             <a:endParaRPr lang="en-US" dirty="0">
+              <a:solidFill>
+                <a:schemeClr val="tx1">
+                  <a:lumMod val="75000"/>
+                  <a:lumOff val="25000"/>
+                </a:schemeClr>
+              </a:solidFill>
               <a:latin typeface="Georgia"/>
             </a:endParaRPr>
           </a:p>
@@ -43257,18 +43296,36 @@
             </a:pPr>
             <a:r>
               <a:rPr lang="en-US" dirty="0">
+                <a:solidFill>
+                  <a:schemeClr val="tx1">
+                    <a:lumMod val="75000"/>
+                    <a:lumOff val="25000"/>
+                  </a:schemeClr>
+                </a:solidFill>
                 <a:latin typeface="Georgia"/>
               </a:rPr>
               <a:t>Prate se </a:t>
             </a:r>
             <a:r>
               <a:rPr lang="en-US" dirty="0" err="1">
+                <a:solidFill>
+                  <a:schemeClr val="tx1">
+                    <a:lumMod val="75000"/>
+                    <a:lumOff val="25000"/>
+                  </a:schemeClr>
+                </a:solidFill>
                 <a:latin typeface="Georgia"/>
               </a:rPr>
               <a:t>promene</a:t>
             </a:r>
             <a:r>
               <a:rPr lang="en-US" dirty="0">
+                <a:solidFill>
+                  <a:schemeClr val="tx1">
+                    <a:lumMod val="75000"/>
+                    <a:lumOff val="25000"/>
+                  </a:schemeClr>
+                </a:solidFill>
                 <a:latin typeface="Georgia"/>
               </a:rPr>
               <a:t> </a:t>
@@ -43283,35 +43340,101 @@
             </a:pPr>
             <a:r>
               <a:rPr lang="en-US" dirty="0" err="1">
+                <a:solidFill>
+                  <a:schemeClr val="tx1">
+                    <a:lumMod val="75000"/>
+                    <a:lumOff val="25000"/>
+                  </a:schemeClr>
+                </a:solidFill>
                 <a:latin typeface="Georgia"/>
               </a:rPr>
               <a:t>Stalno</a:t>
             </a:r>
             <a:r>
               <a:rPr lang="en-US" dirty="0">
+                <a:solidFill>
+                  <a:schemeClr val="tx1">
+                    <a:lumMod val="75000"/>
+                    <a:lumOff val="25000"/>
+                  </a:schemeClr>
+                </a:solidFill>
                 <a:latin typeface="Georgia"/>
               </a:rPr>
               <a:t> se </a:t>
             </a:r>
             <a:r>
               <a:rPr lang="en-US" dirty="0" err="1">
+                <a:solidFill>
+                  <a:schemeClr val="tx1">
+                    <a:lumMod val="75000"/>
+                    <a:lumOff val="25000"/>
+                  </a:schemeClr>
+                </a:solidFill>
                 <a:latin typeface="Georgia"/>
               </a:rPr>
               <a:t>iscrtava</a:t>
             </a:r>
             <a:r>
               <a:rPr lang="en-US" dirty="0">
+                <a:solidFill>
+                  <a:schemeClr val="tx1">
+                    <a:lumMod val="75000"/>
+                    <a:lumOff val="25000"/>
+                  </a:schemeClr>
+                </a:solidFill>
                 <a:latin typeface="Georgia"/>
               </a:rPr>
               <a:t> nova </a:t>
             </a:r>
             <a:r>
               <a:rPr lang="en-US" dirty="0" err="1">
+                <a:solidFill>
+                  <a:schemeClr val="tx1">
+                    <a:lumMod val="75000"/>
+                    <a:lumOff val="25000"/>
+                  </a:schemeClr>
+                </a:solidFill>
                 <a:latin typeface="Georgia"/>
               </a:rPr>
               <a:t>slika</a:t>
             </a:r>
+            <a:endParaRPr lang="en-US" dirty="0">
+              <a:solidFill>
+                <a:schemeClr val="tx1">
+                  <a:lumMod val="75000"/>
+                  <a:lumOff val="25000"/>
+                </a:schemeClr>
+              </a:solidFill>
+              <a:latin typeface="Georgia"/>
+            </a:endParaRPr>
+          </a:p>
+          <a:p>
+            <a:pPr marL="285750" indent="-285750">
+              <a:lnSpc>
+                <a:spcPct val="150000"/>
+              </a:lnSpc>
+              <a:buChar char="•"/>
+            </a:pPr>
+            <a:r>
+              <a:rPr lang="en-US" dirty="0">
+                <a:solidFill>
+                  <a:srgbClr val="0070C0"/>
+                </a:solidFill>
+                <a:latin typeface="Georgia"/>
+                <a:hlinkClick r:id="rId6">
+                  <a:extLst>
+                    <a:ext uri="{A12FA001-AC4F-418D-AE19-62706E023703}">
+                      <ahyp:hlinkClr xmlns:ahyp="http://schemas.microsoft.com/office/drawing/2018/hyperlinkcolor" val="tx"/>
+                    </a:ext>
+                  </a:extLst>
+                </a:hlinkClick>
+              </a:rPr>
+              <a:t>window.requestAnimationFrame();</a:t>
+            </a:r>
             <a:endParaRPr lang="en-US">
+              <a:solidFill>
+                <a:srgbClr val="0070C0"/>
+              </a:solidFill>
               <a:latin typeface="Georgia"/>
             </a:endParaRPr>
           </a:p>
@@ -43332,7 +43455,7 @@
           <p:nvPr/>
         </p:nvPicPr>
         <p:blipFill>
-          <a:blip r:embed="rId6"/>
+          <a:blip r:embed="rId7"/>
           <a:stretch>
             <a:fillRect/>
           </a:stretch>

--- a/PPT-Prezentacija.pptx
+++ b/PPT-Prezentacija.pptx
@@ -321,7 +321,7 @@
   <p1510:revLst>
     <p1510:client id="{899D64C6-CB23-4F4F-B5CB-523D54A3FC14}" v="1659" dt="2021-07-06T19:10:35.696"/>
     <p1510:client id="{971F573F-47D3-4797-87AA-B02468A35A37}" v="550" dt="2021-07-06T20:00:34.241"/>
-    <p1510:client id="{9ACA33AB-6D37-4D46-A61E-47F10ABB6D28}" v="1590" dt="2021-07-11T10:18:49.982"/>
+    <p1510:client id="{9ACA33AB-6D37-4D46-A61E-47F10ABB6D28}" v="1633" dt="2021-07-11T10:23:28.224"/>
     <p1510:client id="{DEC2FD74-999B-4DCC-9636-232F88578924}" v="2285" dt="2021-07-10T16:35:10.484"/>
     <p1510:client id="{F76FDB00-0C91-4BF7-83D6-084516CB817A}" v="2704" dt="2021-07-08T19:18:31.804"/>
   </p1510:revLst>
@@ -43632,7 +43632,7 @@
         </p:nvSpPr>
         <p:spPr>
           <a:xfrm>
-            <a:off x="5357813" y="1321594"/>
+            <a:off x="5357813" y="1387536"/>
             <a:ext cx="2743200" cy="523220"/>
           </a:xfrm>
           <a:prstGeom prst="rect">
@@ -43677,8 +43677,8 @@
         </p:nvSpPr>
         <p:spPr>
           <a:xfrm>
-            <a:off x="5357813" y="1014412"/>
-            <a:ext cx="2743200" cy="307777"/>
+            <a:off x="5321178" y="904508"/>
+            <a:ext cx="2743200" cy="523220"/>
           </a:xfrm>
           <a:prstGeom prst="rect">
             <a:avLst/>
@@ -43740,7 +43740,31 @@
                 </a:solidFill>
                 <a:latin typeface="Georgia"/>
               </a:rPr>
-              <a:t> - </a:t>
+              <a:t> (</a:t>
+            </a:r>
+            <a:r>
+              <a:rPr lang="en-US" dirty="0" err="1">
+                <a:solidFill>
+                  <a:schemeClr val="tx1">
+                    <a:lumMod val="75000"/>
+                    <a:lumOff val="25000"/>
+                  </a:schemeClr>
+                </a:solidFill>
+                <a:latin typeface="Georgia"/>
+              </a:rPr>
+              <a:t>inut</a:t>
+            </a:r>
+            <a:r>
+              <a:rPr lang="en-US" dirty="0">
+                <a:solidFill>
+                  <a:schemeClr val="tx1">
+                    <a:lumMod val="75000"/>
+                    <a:lumOff val="25000"/>
+                  </a:schemeClr>
+                </a:solidFill>
+                <a:latin typeface="Georgia"/>
+              </a:rPr>
+              <a:t> lag) - </a:t>
             </a:r>
             <a:r>
               <a:rPr lang="en-US" dirty="0" err="1">
@@ -43783,7 +43807,7 @@
         </p:nvSpPr>
         <p:spPr>
           <a:xfrm>
-            <a:off x="5357813" y="2093119"/>
+            <a:off x="5357813" y="2268965"/>
             <a:ext cx="2743200" cy="523220"/>
           </a:xfrm>
           <a:prstGeom prst="rect">
@@ -43870,7 +43894,7 @@
                 </a:solidFill>
                 <a:latin typeface="Georgia"/>
               </a:rPr>
-              <a:t> od input delay-a:</a:t>
+              <a:t> od input lag-a:</a:t>
             </a:r>
           </a:p>
         </p:txBody>
@@ -43934,7 +43958,7 @@
         </p:nvSpPr>
         <p:spPr>
           <a:xfrm>
-            <a:off x="5357813" y="3386138"/>
+            <a:off x="5357813" y="3525350"/>
             <a:ext cx="2743200" cy="307777"/>
           </a:xfrm>
           <a:prstGeom prst="rect">

--- a/PPT-Prezentacija.pptx
+++ b/PPT-Prezentacija.pptx
@@ -310,7 +310,7 @@
       </p15:sldGuideLst>
     </p:ext>
     <p:ext uri="http://customooxmlschemas.google.com/">
-      <go:slidesCustomData xmlns:go="http://customooxmlschemas.google.com/" xmlns:ahyp="http://schemas.microsoft.com/office/drawing/2018/hyperlinkcolor" xmlns:p15="http://schemas.microsoft.com/office/powerpoint/2012/main" xmlns:p14="http://schemas.microsoft.com/office/powerpoint/2010/main" xmlns:com="http://schemas.openxmlformats.org/drawingml/2006/compatibility" xmlns:pvml="urn:schemas-microsoft-com:office:powerpoint" xmlns:v="urn:schemas-microsoft-com:vml" xmlns:o="urn:schemas-microsoft-com:office:office" xmlns:dgm="http://schemas.openxmlformats.org/drawingml/2006/diagram" xmlns:c="http://schemas.openxmlformats.org/drawingml/2006/chart" xmlns:mv="urn:schemas-microsoft-com:mac:vml" xmlns:mc="http://schemas.openxmlformats.org/markup-compatibility/2006" xmlns="" r:id="rId40" roundtripDataSignature="AMtx7mjQn1965wDl3YKCEYGCNdJt3qlr9g=="/>
+      <go:slidesCustomData xmlns="" xmlns:mc="http://schemas.openxmlformats.org/markup-compatibility/2006" xmlns:mv="urn:schemas-microsoft-com:mac:vml" xmlns:c="http://schemas.openxmlformats.org/drawingml/2006/chart" xmlns:dgm="http://schemas.openxmlformats.org/drawingml/2006/diagram" xmlns:o="urn:schemas-microsoft-com:office:office" xmlns:v="urn:schemas-microsoft-com:vml" xmlns:pvml="urn:schemas-microsoft-com:office:powerpoint" xmlns:com="http://schemas.openxmlformats.org/drawingml/2006/compatibility" xmlns:p14="http://schemas.microsoft.com/office/powerpoint/2010/main" xmlns:p15="http://schemas.microsoft.com/office/powerpoint/2012/main" xmlns:ahyp="http://schemas.microsoft.com/office/drawing/2018/hyperlinkcolor" xmlns:go="http://customooxmlschemas.google.com/" r:id="rId40" roundtripDataSignature="AMtx7mjQn1965wDl3YKCEYGCNdJt3qlr9g=="/>
     </p:ext>
   </p:extLst>
 </p:presentation>
@@ -322,6 +322,7 @@
     <p1510:client id="{899D64C6-CB23-4F4F-B5CB-523D54A3FC14}" v="1659" dt="2021-07-06T19:10:35.696"/>
     <p1510:client id="{971F573F-47D3-4797-87AA-B02468A35A37}" v="550" dt="2021-07-06T20:00:34.241"/>
     <p1510:client id="{9ACA33AB-6D37-4D46-A61E-47F10ABB6D28}" v="1633" dt="2021-07-11T10:23:28.224"/>
+    <p1510:client id="{A7712FC8-03FB-4587-9DDE-DCAEED1150FE}" v="112" dt="2021-07-13T17:39:26.967"/>
     <p1510:client id="{DEC2FD74-999B-4DCC-9636-232F88578924}" v="2285" dt="2021-07-10T16:35:10.484"/>
     <p1510:client id="{F76FDB00-0C91-4BF7-83D6-084516CB817A}" v="2704" dt="2021-07-08T19:18:31.804"/>
   </p1510:revLst>
@@ -39049,7 +39050,7 @@
                 </a:solidFill>
                 <a:latin typeface="Georgia"/>
               </a:rPr>
-              <a:t>(</a:t>
+              <a:t> </a:t>
             </a:r>
             <a:r>
               <a:rPr lang="en-US" dirty="0" err="1">
@@ -39061,137 +39062,8 @@
                 </a:solidFill>
                 <a:latin typeface="Georgia"/>
               </a:rPr>
-              <a:t>ili</a:t>
-            </a:r>
-            <a:r>
-              <a:rPr lang="en-US" dirty="0">
-                <a:solidFill>
-                  <a:schemeClr val="tx1">
-                    <a:lumMod val="75000"/>
-                    <a:lumOff val="25000"/>
-                  </a:schemeClr>
-                </a:solidFill>
-                <a:latin typeface="Georgia"/>
-              </a:rPr>
-              <a:t> </a:t>
-            </a:r>
-            <a:r>
-              <a:rPr lang="en-US" dirty="0" err="1">
-                <a:solidFill>
-                  <a:schemeClr val="tx1">
-                    <a:lumMod val="75000"/>
-                    <a:lumOff val="25000"/>
-                  </a:schemeClr>
-                </a:solidFill>
-                <a:latin typeface="Georgia"/>
-              </a:rPr>
-              <a:t>bilo</a:t>
-            </a:r>
-            <a:r>
-              <a:rPr lang="en-US" dirty="0">
-                <a:solidFill>
-                  <a:schemeClr val="tx1">
-                    <a:lumMod val="75000"/>
-                    <a:lumOff val="25000"/>
-                  </a:schemeClr>
-                </a:solidFill>
-                <a:latin typeface="Georgia"/>
-              </a:rPr>
-              <a:t> </a:t>
-            </a:r>
-            <a:r>
-              <a:rPr lang="en-US" dirty="0" err="1">
-                <a:solidFill>
-                  <a:schemeClr val="tx1">
-                    <a:lumMod val="75000"/>
-                    <a:lumOff val="25000"/>
-                  </a:schemeClr>
-                </a:solidFill>
-                <a:latin typeface="Georgia"/>
-              </a:rPr>
-              <a:t>kog</a:t>
-            </a:r>
-            <a:r>
-              <a:rPr lang="en-US" dirty="0">
-                <a:solidFill>
-                  <a:schemeClr val="tx1">
-                    <a:lumMod val="75000"/>
-                    <a:lumOff val="25000"/>
-                  </a:schemeClr>
-                </a:solidFill>
-                <a:latin typeface="Georgia"/>
-              </a:rPr>
-              <a:t> </a:t>
-            </a:r>
-            <a:r>
-              <a:rPr lang="en-US" dirty="0" err="1">
-                <a:solidFill>
-                  <a:schemeClr val="tx1">
-                    <a:lumMod val="75000"/>
-                    <a:lumOff val="25000"/>
-                  </a:schemeClr>
-                </a:solidFill>
-                <a:latin typeface="Georgia"/>
-              </a:rPr>
-              <a:t>drugog</a:t>
-            </a:r>
-            <a:r>
-              <a:rPr lang="en-US" dirty="0">
-                <a:solidFill>
-                  <a:schemeClr val="tx1">
-                    <a:lumMod val="75000"/>
-                    <a:lumOff val="25000"/>
-                  </a:schemeClr>
-                </a:solidFill>
-                <a:latin typeface="Georgia"/>
-              </a:rPr>
-              <a:t> </a:t>
-            </a:r>
-            <a:r>
-              <a:rPr lang="en-US" dirty="0" err="1">
-                <a:solidFill>
-                  <a:schemeClr val="tx1">
-                    <a:lumMod val="75000"/>
-                    <a:lumOff val="25000"/>
-                  </a:schemeClr>
-                </a:solidFill>
-                <a:latin typeface="Georgia"/>
-              </a:rPr>
-              <a:t>programskog</a:t>
-            </a:r>
-            <a:r>
-              <a:rPr lang="en-US" dirty="0">
-                <a:solidFill>
-                  <a:schemeClr val="tx1">
-                    <a:lumMod val="75000"/>
-                    <a:lumOff val="25000"/>
-                  </a:schemeClr>
-                </a:solidFill>
-                <a:latin typeface="Georgia"/>
-              </a:rPr>
-              <a:t>) </a:t>
-            </a:r>
-            <a:r>
-              <a:rPr lang="en-US" dirty="0" err="1">
-                <a:solidFill>
-                  <a:schemeClr val="tx1">
-                    <a:lumMod val="75000"/>
-                    <a:lumOff val="25000"/>
-                  </a:schemeClr>
-                </a:solidFill>
-                <a:latin typeface="Georgia"/>
-              </a:rPr>
               <a:t>jezika</a:t>
             </a:r>
-            <a:endParaRPr lang="en-US" dirty="0">
-              <a:solidFill>
-                <a:schemeClr val="tx1">
-                  <a:lumMod val="75000"/>
-                  <a:lumOff val="25000"/>
-                </a:schemeClr>
-              </a:solidFill>
-              <a:latin typeface="Georgia"/>
-            </a:endParaRPr>
           </a:p>
           <a:p>
             <a:pPr marL="285750" indent="-285750">
@@ -40147,29 +40019,6 @@
               <a:buSzPts val="1200"/>
             </a:pPr>
             <a:r>
-              <a:rPr lang="en-GB" sz="1200" dirty="0" err="1">
-                <a:ea typeface="Muli"/>
-              </a:rPr>
-              <a:t>Ideja</a:t>
-            </a:r>
-            <a:endParaRPr lang="en-GB" sz="1200">
-              <a:ea typeface="Muli"/>
-            </a:endParaRPr>
-          </a:p>
-          <a:p>
-            <a:pPr indent="-304800">
-              <a:lnSpc>
-                <a:spcPct val="150000"/>
-              </a:lnSpc>
-              <a:spcBef>
-                <a:spcPts val="2400"/>
-              </a:spcBef>
-              <a:buClr>
-                <a:srgbClr val="1C1C1C"/>
-              </a:buClr>
-              <a:buSzPts val="1200"/>
-            </a:pPr>
-            <a:r>
               <a:rPr lang="en-GB" sz="1200" dirty="0">
                 <a:ea typeface="Muli"/>
               </a:rPr>
@@ -40225,7 +40074,7 @@
             </a:endParaRPr>
           </a:p>
           <a:p>
-            <a:pPr indent="-304800">
+            <a:pPr marL="152400" indent="0">
               <a:lnSpc>
                 <a:spcPct val="150000"/>
               </a:lnSpc>
@@ -40236,8 +40085,7 @@
                 <a:srgbClr val="1C1C1C"/>
               </a:buClr>
               <a:buSzPts val="1200"/>
-              <a:buFont typeface="Muli"/>
-              <a:buChar char="●"/>
+              <a:buNone/>
             </a:pPr>
             <a:endParaRPr lang="en-GB" sz="1200" dirty="0">
               <a:solidFill>
@@ -40924,8 +40772,19 @@
               </a:rPr>
               <a:t>igrača</a:t>
             </a:r>
+          </a:p>
+          <a:p>
+            <a:pPr>
+              <a:lnSpc>
+                <a:spcPct val="150000"/>
+              </a:lnSpc>
+              <a:buClr>
+                <a:srgbClr val="1C1C1C"/>
+              </a:buClr>
+              <a:buSzPts val="1200"/>
+            </a:pPr>
             <a:r>
-              <a:rPr lang="en-GB" sz="1200" dirty="0">
+              <a:rPr lang="en-GB" sz="1200" dirty="0" err="1">
                 <a:solidFill>
                   <a:schemeClr val="tx1">
                     <a:lumMod val="75000"/>
@@ -40934,10 +40793,10 @@
                 </a:solidFill>
                 <a:latin typeface="Georgia"/>
               </a:rPr>
-              <a:t> (</a:t>
+              <a:t>Dizajn</a:t>
             </a:r>
             <a:r>
-              <a:rPr lang="en-GB" sz="1200" dirty="0" err="1">
+              <a:rPr lang="en-GB" sz="1200" dirty="0">
                 <a:solidFill>
                   <a:schemeClr val="tx1">
                     <a:lumMod val="75000"/>
@@ -40946,10 +40805,10 @@
                 </a:solidFill>
                 <a:latin typeface="Georgia"/>
               </a:rPr>
-              <a:t>brza</a:t>
+              <a:t> </a:t>
             </a:r>
             <a:r>
-              <a:rPr lang="en-GB" sz="1200" dirty="0">
+              <a:rPr lang="en-GB" sz="1200" dirty="0" err="1">
                 <a:solidFill>
                   <a:schemeClr val="tx1">
                     <a:lumMod val="75000"/>
@@ -40958,10 +40817,10 @@
                 </a:solidFill>
                 <a:latin typeface="Georgia"/>
               </a:rPr>
-              <a:t>, </a:t>
+              <a:t>i</a:t>
             </a:r>
             <a:r>
-              <a:rPr lang="en-GB" sz="1200" dirty="0" err="1">
+              <a:rPr lang="en-GB" sz="1200" dirty="0">
                 <a:solidFill>
                   <a:schemeClr val="tx1">
                     <a:lumMod val="75000"/>
@@ -40970,10 +40829,10 @@
                 </a:solidFill>
                 <a:latin typeface="Georgia"/>
               </a:rPr>
-              <a:t>intezivna</a:t>
+              <a:t> </a:t>
             </a:r>
             <a:r>
-              <a:rPr lang="en-GB" sz="1200" dirty="0">
+              <a:rPr lang="en-GB" sz="1200" dirty="0" err="1">
                 <a:solidFill>
                   <a:schemeClr val="tx1">
                     <a:lumMod val="75000"/>
@@ -40982,114 +40841,8 @@
                 </a:solidFill>
                 <a:latin typeface="Georgia"/>
               </a:rPr>
-              <a:t>, </a:t>
+              <a:t>aseti</a:t>
             </a:r>
-            <a:r>
-              <a:rPr lang="en-GB" sz="1200" dirty="0" err="1">
-                <a:solidFill>
-                  <a:schemeClr val="tx1">
-                    <a:lumMod val="75000"/>
-                    <a:lumOff val="25000"/>
-                  </a:schemeClr>
-                </a:solidFill>
-                <a:latin typeface="Georgia"/>
-              </a:rPr>
-              <a:t>opuštajuća</a:t>
-            </a:r>
-            <a:r>
-              <a:rPr lang="en-GB" sz="1200" dirty="0">
-                <a:solidFill>
-                  <a:schemeClr val="tx1">
-                    <a:lumMod val="75000"/>
-                    <a:lumOff val="25000"/>
-                  </a:schemeClr>
-                </a:solidFill>
-                <a:latin typeface="Georgia"/>
-              </a:rPr>
-              <a:t>, </a:t>
-            </a:r>
-            <a:r>
-              <a:rPr lang="en-GB" sz="1200" dirty="0" err="1">
-                <a:solidFill>
-                  <a:schemeClr val="tx1">
-                    <a:lumMod val="75000"/>
-                    <a:lumOff val="25000"/>
-                  </a:schemeClr>
-                </a:solidFill>
-                <a:latin typeface="Georgia"/>
-              </a:rPr>
-              <a:t>strašna</a:t>
-            </a:r>
-            <a:r>
-              <a:rPr lang="en-GB" sz="1200" dirty="0">
-                <a:solidFill>
-                  <a:schemeClr val="tx1">
-                    <a:lumMod val="75000"/>
-                    <a:lumOff val="25000"/>
-                  </a:schemeClr>
-                </a:solidFill>
-                <a:latin typeface="Georgia"/>
-              </a:rPr>
-              <a:t>, </a:t>
-            </a:r>
-            <a:r>
-              <a:rPr lang="en-GB" sz="1200" dirty="0" err="1">
-                <a:solidFill>
-                  <a:schemeClr val="tx1">
-                    <a:lumMod val="75000"/>
-                    <a:lumOff val="25000"/>
-                  </a:schemeClr>
-                </a:solidFill>
-                <a:latin typeface="Georgia"/>
-              </a:rPr>
-              <a:t>smirujuća</a:t>
-            </a:r>
-            <a:r>
-              <a:rPr lang="en-GB" sz="1200" dirty="0">
-                <a:solidFill>
-                  <a:schemeClr val="tx1">
-                    <a:lumMod val="75000"/>
-                    <a:lumOff val="25000"/>
-                  </a:schemeClr>
-                </a:solidFill>
-                <a:latin typeface="Georgia"/>
-              </a:rPr>
-              <a:t>...)</a:t>
-            </a:r>
-          </a:p>
-          <a:p>
-            <a:pPr>
-              <a:lnSpc>
-                <a:spcPct val="150000"/>
-              </a:lnSpc>
-              <a:buClr>
-                <a:srgbClr val="1C1C1C"/>
-              </a:buClr>
-              <a:buSzPts val="1200"/>
-              <a:buFont typeface="Arial"/>
-              <a:buChar char="●"/>
-            </a:pPr>
-            <a:r>
-              <a:rPr lang="en-GB" sz="1200" dirty="0" err="1">
-                <a:solidFill>
-                  <a:schemeClr val="tx1">
-                    <a:lumMod val="75000"/>
-                    <a:lumOff val="25000"/>
-                  </a:schemeClr>
-                </a:solidFill>
-                <a:latin typeface="Georgia"/>
-              </a:rPr>
-              <a:t>Dizajn</a:t>
-            </a:r>
-            <a:endParaRPr lang="en-GB" sz="1200" dirty="0">
-              <a:solidFill>
-                <a:schemeClr val="tx1">
-                  <a:lumMod val="75000"/>
-                  <a:lumOff val="25000"/>
-                </a:schemeClr>
-              </a:solidFill>
-              <a:latin typeface="Georgia"/>
-            </a:endParaRPr>
           </a:p>
           <a:p>
             <a:pPr>
@@ -43218,8 +42971,8 @@
         </p:nvSpPr>
         <p:spPr>
           <a:xfrm>
-            <a:off x="326748" y="1104233"/>
-            <a:ext cx="3433429" cy="1345753"/>
+            <a:off x="326748" y="942488"/>
+            <a:ext cx="4306853" cy="1668918"/>
           </a:xfrm>
           <a:prstGeom prst="rect">
             <a:avLst/>
@@ -43418,6 +43171,71 @@
             <a:r>
               <a:rPr lang="en-US" dirty="0">
                 <a:solidFill>
+                  <a:schemeClr val="tx1">
+                    <a:lumMod val="75000"/>
+                    <a:lumOff val="25000"/>
+                  </a:schemeClr>
+                </a:solidFill>
+                <a:latin typeface="Georgia"/>
+              </a:rPr>
+              <a:t>60FPS (Frames per second) = 60 </a:t>
+            </a:r>
+            <a:r>
+              <a:rPr lang="en-US" dirty="0" err="1">
+                <a:solidFill>
+                  <a:schemeClr val="tx1">
+                    <a:lumMod val="75000"/>
+                    <a:lumOff val="25000"/>
+                  </a:schemeClr>
+                </a:solidFill>
+                <a:latin typeface="Georgia"/>
+              </a:rPr>
+              <a:t>slika</a:t>
+            </a:r>
+            <a:r>
+              <a:rPr lang="en-US" dirty="0">
+                <a:solidFill>
+                  <a:schemeClr val="tx1">
+                    <a:lumMod val="75000"/>
+                    <a:lumOff val="25000"/>
+                  </a:schemeClr>
+                </a:solidFill>
+                <a:latin typeface="Georgia"/>
+              </a:rPr>
+              <a:t> u </a:t>
+            </a:r>
+            <a:r>
+              <a:rPr lang="en-US" dirty="0" err="1">
+                <a:solidFill>
+                  <a:schemeClr val="tx1">
+                    <a:lumMod val="75000"/>
+                    <a:lumOff val="25000"/>
+                  </a:schemeClr>
+                </a:solidFill>
+                <a:latin typeface="Georgia"/>
+              </a:rPr>
+              <a:t>sekundi</a:t>
+            </a:r>
+            <a:endParaRPr lang="en-US" dirty="0">
+              <a:solidFill>
+                <a:schemeClr val="tx1">
+                  <a:lumMod val="75000"/>
+                  <a:lumOff val="25000"/>
+                </a:schemeClr>
+              </a:solidFill>
+              <a:latin typeface="Georgia"/>
+            </a:endParaRPr>
+          </a:p>
+          <a:p>
+            <a:pPr marL="285750" indent="-285750">
+              <a:lnSpc>
+                <a:spcPct val="150000"/>
+              </a:lnSpc>
+              <a:buChar char="•"/>
+            </a:pPr>
+            <a:r>
+              <a:rPr lang="en-US" dirty="0">
+                <a:solidFill>
                   <a:srgbClr val="0070C0"/>
                 </a:solidFill>
                 <a:latin typeface="Georgia"/>
@@ -43429,14 +43247,8 @@
                   </a:extLst>
                 </a:hlinkClick>
               </a:rPr>
-              <a:t>window.requestAnimationFrame();</a:t>
+              <a:t>window.requestAnimationFrame(); </a:t>
             </a:r>
-            <a:endParaRPr lang="en-US">
-              <a:solidFill>
-                <a:srgbClr val="0070C0"/>
-              </a:solidFill>
-              <a:latin typeface="Georgia"/>
-            </a:endParaRPr>
           </a:p>
         </p:txBody>
       </p:sp>

--- a/PPT-Prezentacija.pptx
+++ b/PPT-Prezentacija.pptx
@@ -322,7 +322,7 @@
     <p1510:client id="{899D64C6-CB23-4F4F-B5CB-523D54A3FC14}" v="1659" dt="2021-07-06T19:10:35.696"/>
     <p1510:client id="{971F573F-47D3-4797-87AA-B02468A35A37}" v="550" dt="2021-07-06T20:00:34.241"/>
     <p1510:client id="{9ACA33AB-6D37-4D46-A61E-47F10ABB6D28}" v="1633" dt="2021-07-11T10:23:28.224"/>
-    <p1510:client id="{A7712FC8-03FB-4587-9DDE-DCAEED1150FE}" v="112" dt="2021-07-13T17:39:26.967"/>
+    <p1510:client id="{A7712FC8-03FB-4587-9DDE-DCAEED1150FE}" v="120" dt="2021-07-13T18:31:27.867"/>
     <p1510:client id="{DEC2FD74-999B-4DCC-9636-232F88578924}" v="2285" dt="2021-07-10T16:35:10.484"/>
     <p1510:client id="{F76FDB00-0C91-4BF7-83D6-084516CB817A}" v="2704" dt="2021-07-08T19:18:31.804"/>
   </p1510:revLst>
@@ -41786,7 +41786,7 @@
               <a:t>Canvas se </a:t>
             </a:r>
             <a:r>
-              <a:rPr lang="en-GB" sz="1200" dirty="0" err="1">
+              <a:rPr lang="en-GB" sz="1200" err="1">
                 <a:solidFill>
                   <a:schemeClr val="tx1">
                     <a:lumMod val="75000"/>
@@ -41816,7 +41816,7 @@
               <a:t> za </a:t>
             </a:r>
             <a:r>
-              <a:rPr lang="en-GB" sz="1200" dirty="0" err="1">
+              <a:rPr lang="en-GB" sz="1200">
                 <a:solidFill>
                   <a:schemeClr val="tx1">
                     <a:lumMod val="75000"/>
@@ -41828,25 +41828,10 @@
                 <a:cs typeface="Muli"/>
                 <a:sym typeface="Muli"/>
               </a:rPr>
-              <a:t>icrtavanje</a:t>
+              <a:t>iscrtavanje </a:t>
             </a:r>
             <a:r>
-              <a:rPr lang="en-GB" sz="1200" dirty="0">
-                <a:solidFill>
-                  <a:schemeClr val="tx1">
-                    <a:lumMod val="75000"/>
-                    <a:lumOff val="25000"/>
-                  </a:schemeClr>
-                </a:solidFill>
-                <a:latin typeface="Georgia"/>
-                <a:ea typeface="Muli"/>
-                <a:cs typeface="Muli"/>
-                <a:sym typeface="Muli"/>
-              </a:rPr>
-              <a:t> </a:t>
-            </a:r>
-            <a:r>
-              <a:rPr lang="en-GB" sz="1200" dirty="0" err="1">
+              <a:rPr lang="en-GB" sz="1200" err="1">
                 <a:solidFill>
                   <a:schemeClr val="tx1">
                     <a:lumMod val="75000"/>
@@ -41876,7 +41861,7 @@
               <a:t> </a:t>
             </a:r>
             <a:r>
-              <a:rPr lang="en-GB" sz="1200" dirty="0" err="1">
+              <a:rPr lang="en-GB" sz="1200" err="1">
                 <a:solidFill>
                   <a:schemeClr val="tx1">
                     <a:lumMod val="75000"/>
@@ -41891,7 +41876,7 @@
               <a:t>na</a:t>
             </a:r>
             <a:r>
-              <a:rPr lang="en-GB" sz="1200" dirty="0">
+              <a:rPr lang="en-GB" sz="1200">
                 <a:solidFill>
                   <a:schemeClr val="tx1">
                     <a:lumMod val="75000"/>
@@ -41903,136 +41888,9 @@
                 <a:cs typeface="Muli"/>
                 <a:sym typeface="Muli"/>
               </a:rPr>
-              <a:t> </a:t>
+              <a:t> ekranu </a:t>
             </a:r>
-            <a:r>
-              <a:rPr lang="en-GB" sz="1200" dirty="0" err="1">
-                <a:solidFill>
-                  <a:schemeClr val="tx1">
-                    <a:lumMod val="75000"/>
-                    <a:lumOff val="25000"/>
-                  </a:schemeClr>
-                </a:solidFill>
-                <a:latin typeface="Georgia"/>
-                <a:ea typeface="Muli"/>
-                <a:cs typeface="Muli"/>
-                <a:sym typeface="Muli"/>
-              </a:rPr>
-              <a:t>ekranu</a:t>
-            </a:r>
-            <a:r>
-              <a:rPr lang="en-GB" sz="1200" dirty="0">
-                <a:solidFill>
-                  <a:schemeClr val="tx1">
-                    <a:lumMod val="75000"/>
-                    <a:lumOff val="25000"/>
-                  </a:schemeClr>
-                </a:solidFill>
-                <a:latin typeface="Georgia"/>
-                <a:ea typeface="Muli"/>
-                <a:cs typeface="Muli"/>
-                <a:sym typeface="Muli"/>
-              </a:rPr>
-              <a:t> </a:t>
-            </a:r>
-            <a:endParaRPr lang="en-GB" sz="1200" dirty="0">
-              <a:solidFill>
-                <a:schemeClr val="tx1">
-                  <a:lumMod val="75000"/>
-                  <a:lumOff val="25000"/>
-                </a:schemeClr>
-              </a:solidFill>
-              <a:latin typeface="Georgia"/>
-              <a:ea typeface="Muli"/>
-              <a:cs typeface="Muli"/>
-            </a:endParaRPr>
-          </a:p>
-          <a:p>
-            <a:pPr indent="-304800">
-              <a:lnSpc>
-                <a:spcPct val="150000"/>
-              </a:lnSpc>
-              <a:spcBef>
-                <a:spcPts val="2400"/>
-              </a:spcBef>
-              <a:buClr>
-                <a:srgbClr val="1C1C1C"/>
-              </a:buClr>
-              <a:buSzPts val="1200"/>
-              <a:buFont typeface="Muli"/>
-              <a:buChar char="●"/>
-            </a:pPr>
-            <a:r>
-              <a:rPr lang="en-GB" sz="1200" dirty="0" err="1">
-                <a:solidFill>
-                  <a:schemeClr val="tx1">
-                    <a:lumMod val="75000"/>
-                    <a:lumOff val="25000"/>
-                  </a:schemeClr>
-                </a:solidFill>
-                <a:latin typeface="Georgia"/>
-                <a:ea typeface="Muli"/>
-                <a:cs typeface="Muli"/>
-              </a:rPr>
-              <a:t>Pratimo</a:t>
-            </a:r>
-            <a:r>
-              <a:rPr lang="en-GB" sz="1200" dirty="0">
-                <a:solidFill>
-                  <a:schemeClr val="tx1">
-                    <a:lumMod val="75000"/>
-                    <a:lumOff val="25000"/>
-                  </a:schemeClr>
-                </a:solidFill>
-                <a:latin typeface="Georgia"/>
-                <a:ea typeface="Muli"/>
-                <a:cs typeface="Muli"/>
-              </a:rPr>
-              <a:t> </a:t>
-            </a:r>
-            <a:r>
-              <a:rPr lang="en-GB" sz="1200" dirty="0" err="1">
-                <a:solidFill>
-                  <a:schemeClr val="tx1">
-                    <a:lumMod val="75000"/>
-                    <a:lumOff val="25000"/>
-                  </a:schemeClr>
-                </a:solidFill>
-                <a:latin typeface="Georgia"/>
-                <a:ea typeface="Muli"/>
-                <a:cs typeface="Muli"/>
-              </a:rPr>
-              <a:t>promene</a:t>
-            </a:r>
-            <a:r>
-              <a:rPr lang="en-GB" sz="1200" dirty="0">
-                <a:solidFill>
-                  <a:schemeClr val="tx1">
-                    <a:lumMod val="75000"/>
-                    <a:lumOff val="25000"/>
-                  </a:schemeClr>
-                </a:solidFill>
-                <a:latin typeface="Georgia"/>
-                <a:ea typeface="Muli"/>
-                <a:cs typeface="Muli"/>
-              </a:rPr>
-              <a:t> </a:t>
-            </a:r>
-            <a:r>
-              <a:rPr lang="en-GB" sz="1200" dirty="0" err="1">
-                <a:solidFill>
-                  <a:schemeClr val="tx1">
-                    <a:lumMod val="75000"/>
-                    <a:lumOff val="25000"/>
-                  </a:schemeClr>
-                </a:solidFill>
-                <a:latin typeface="Georgia"/>
-                <a:ea typeface="Muli"/>
-                <a:cs typeface="Muli"/>
-              </a:rPr>
-              <a:t>objekta</a:t>
-            </a:r>
-            <a:endParaRPr lang="en-GB" sz="1200" dirty="0">
+            <a:endParaRPr lang="en-GB" sz="1200">
               <a:solidFill>
                 <a:schemeClr val="tx1">
                   <a:lumMod val="75000"/>
